--- a/test/pptx/incremental-lists/without-flag/moved-layouts.pptx
+++ b/test/pptx/incremental-lists/without-flag/moved-layouts.pptx
@@ -5759,23 +5759,7 @@
             </a:pPr>
             <a:r>
               <a:rPr/>
-              <a:t>Slide</a:t>
-            </a:r>
-            <a:r>
-              <a:rPr/>
-              <a:t> </a:t>
-            </a:r>
-            <a:r>
-              <a:rPr/>
-              <a:t>1</a:t>
-            </a:r>
-            <a:r>
-              <a:rPr/>
-              <a:t> </a:t>
-            </a:r>
-            <a:r>
-              <a:rPr/>
-              <a:t>(Content)</a:t>
+              <a:t>Slide 1 (Content)</a:t>
             </a:r>
           </a:p>
         </p:txBody>
@@ -6151,23 +6135,7 @@
             </a:pPr>
             <a:r>
               <a:rPr/>
-              <a:t>Slide</a:t>
-            </a:r>
-            <a:r>
-              <a:rPr/>
-              <a:t> </a:t>
-            </a:r>
-            <a:r>
-              <a:rPr/>
-              <a:t>11</a:t>
-            </a:r>
-            <a:r>
-              <a:rPr/>
-              <a:t> </a:t>
-            </a:r>
-            <a:r>
-              <a:rPr/>
-              <a:t>(Content)</a:t>
+              <a:t>Slide 11 (Content)</a:t>
             </a:r>
           </a:p>
         </p:txBody>
@@ -6647,23 +6615,7 @@
             </a:pPr>
             <a:r>
               <a:rPr/>
-              <a:t>Slide</a:t>
-            </a:r>
-            <a:r>
-              <a:rPr/>
-              <a:t> </a:t>
-            </a:r>
-            <a:r>
-              <a:rPr/>
-              <a:t>12</a:t>
-            </a:r>
-            <a:r>
-              <a:rPr/>
-              <a:t> </a:t>
-            </a:r>
-            <a:r>
-              <a:rPr/>
-              <a:t>(Content)</a:t>
+              <a:t>Slide 12 (Content)</a:t>
             </a:r>
           </a:p>
         </p:txBody>
@@ -6948,23 +6900,7 @@
             </a:pPr>
             <a:r>
               <a:rPr/>
-              <a:t>Slide</a:t>
-            </a:r>
-            <a:r>
-              <a:rPr/>
-              <a:t> </a:t>
-            </a:r>
-            <a:r>
-              <a:rPr/>
-              <a:t>2</a:t>
-            </a:r>
-            <a:r>
-              <a:rPr/>
-              <a:t> </a:t>
-            </a:r>
-            <a:r>
-              <a:rPr/>
-              <a:t>(Content)</a:t>
+              <a:t>Slide 2 (Content)</a:t>
             </a:r>
           </a:p>
         </p:txBody>
@@ -7048,23 +6984,7 @@
             </a:pPr>
             <a:r>
               <a:rPr/>
-              <a:t>Slide</a:t>
-            </a:r>
-            <a:r>
-              <a:rPr/>
-              <a:t> </a:t>
-            </a:r>
-            <a:r>
-              <a:rPr/>
-              <a:t>3</a:t>
-            </a:r>
-            <a:r>
-              <a:rPr/>
-              <a:t> </a:t>
-            </a:r>
-            <a:r>
-              <a:rPr/>
-              <a:t>(Content)</a:t>
+              <a:t>Slide 3 (Content)</a:t>
             </a:r>
           </a:p>
         </p:txBody>
@@ -7337,23 +7257,7 @@
             </a:pPr>
             <a:r>
               <a:rPr/>
-              <a:t>Slide</a:t>
-            </a:r>
-            <a:r>
-              <a:rPr/>
-              <a:t> </a:t>
-            </a:r>
-            <a:r>
-              <a:rPr/>
-              <a:t>4</a:t>
-            </a:r>
-            <a:r>
-              <a:rPr/>
-              <a:t> </a:t>
-            </a:r>
-            <a:r>
-              <a:rPr/>
-              <a:t>(Content)</a:t>
+              <a:t>Slide 4 (Content)</a:t>
             </a:r>
           </a:p>
         </p:txBody>
@@ -7632,31 +7536,7 @@
             </a:pPr>
             <a:r>
               <a:rPr/>
-              <a:t>Slide</a:t>
-            </a:r>
-            <a:r>
-              <a:rPr/>
-              <a:t> </a:t>
-            </a:r>
-            <a:r>
-              <a:rPr/>
-              <a:t>5</a:t>
-            </a:r>
-            <a:r>
-              <a:rPr/>
-              <a:t> </a:t>
-            </a:r>
-            <a:r>
-              <a:rPr/>
-              <a:t>(Two</a:t>
-            </a:r>
-            <a:r>
-              <a:rPr/>
-              <a:t> </a:t>
-            </a:r>
-            <a:r>
-              <a:rPr/>
-              <a:t>Content)</a:t>
+              <a:t>Slide 5 (Two Content)</a:t>
             </a:r>
           </a:p>
         </p:txBody>
@@ -8153,39 +8033,7 @@
             </a:pPr>
             <a:r>
               <a:rPr/>
-              <a:t>Slide</a:t>
-            </a:r>
-            <a:r>
-              <a:rPr/>
-              <a:t> </a:t>
-            </a:r>
-            <a:r>
-              <a:rPr/>
-              <a:t>6</a:t>
-            </a:r>
-            <a:r>
-              <a:rPr/>
-              <a:t> </a:t>
-            </a:r>
-            <a:r>
-              <a:rPr/>
-              <a:t>(Two</a:t>
-            </a:r>
-            <a:r>
-              <a:rPr/>
-              <a:t> </a:t>
-            </a:r>
-            <a:r>
-              <a:rPr/>
-              <a:t>Content</a:t>
-            </a:r>
-            <a:r>
-              <a:rPr/>
-              <a:t> </a:t>
-            </a:r>
-            <a:r>
-              <a:rPr/>
-              <a:t>Right)</a:t>
+              <a:t>Slide 6 (Two Content Right)</a:t>
             </a:r>
           </a:p>
         </p:txBody>
@@ -8245,15 +8093,7 @@
             </a:pPr>
             <a:r>
               <a:rPr/>
-              <a:t>an</a:t>
-            </a:r>
-            <a:r>
-              <a:rPr/>
-              <a:t> </a:t>
-            </a:r>
-            <a:r>
-              <a:rPr/>
-              <a:t>image</a:t>
+              <a:t>an image</a:t>
             </a:r>
           </a:p>
         </p:txBody>
@@ -8522,39 +8362,7 @@
             </a:pPr>
             <a:r>
               <a:rPr/>
-              <a:t>Slide</a:t>
-            </a:r>
-            <a:r>
-              <a:rPr/>
-              <a:t> </a:t>
-            </a:r>
-            <a:r>
-              <a:rPr/>
-              <a:t>7</a:t>
-            </a:r>
-            <a:r>
-              <a:rPr/>
-              <a:t> </a:t>
-            </a:r>
-            <a:r>
-              <a:rPr/>
-              <a:t>(Content</a:t>
-            </a:r>
-            <a:r>
-              <a:rPr/>
-              <a:t> </a:t>
-            </a:r>
-            <a:r>
-              <a:rPr/>
-              <a:t>with</a:t>
-            </a:r>
-            <a:r>
-              <a:rPr/>
-              <a:t> </a:t>
-            </a:r>
-            <a:r>
-              <a:rPr/>
-              <a:t>Caption)</a:t>
+              <a:t>Slide 7 (Content with Caption)</a:t>
             </a:r>
           </a:p>
         </p:txBody>
@@ -8669,15 +8477,7 @@
             </a:pPr>
             <a:r>
               <a:rPr/>
-              <a:t>An</a:t>
-            </a:r>
-            <a:r>
-              <a:rPr/>
-              <a:t> </a:t>
-            </a:r>
-            <a:r>
-              <a:rPr/>
-              <a:t>image</a:t>
+              <a:t>An image</a:t>
             </a:r>
           </a:p>
         </p:txBody>
@@ -8909,23 +8709,7 @@
             </a:pPr>
             <a:r>
               <a:rPr/>
-              <a:t>Slide</a:t>
-            </a:r>
-            <a:r>
-              <a:rPr/>
-              <a:t> </a:t>
-            </a:r>
-            <a:r>
-              <a:rPr/>
-              <a:t>8</a:t>
-            </a:r>
-            <a:r>
-              <a:rPr/>
-              <a:t> </a:t>
-            </a:r>
-            <a:r>
-              <a:rPr/>
-              <a:t>(Comparison)</a:t>
+              <a:t>Slide 8 (Comparison)</a:t>
             </a:r>
           </a:p>
         </p:txBody>
@@ -9022,15 +8806,7 @@
             </a:pPr>
             <a:r>
               <a:rPr/>
-              <a:t>An</a:t>
-            </a:r>
-            <a:r>
-              <a:rPr/>
-              <a:t> </a:t>
-            </a:r>
-            <a:r>
-              <a:rPr/>
-              <a:t>image</a:t>
+              <a:t>An image</a:t>
             </a:r>
           </a:p>
         </p:txBody>
@@ -9510,23 +9286,7 @@
             </a:pPr>
             <a:r>
               <a:rPr/>
-              <a:t>Slide</a:t>
-            </a:r>
-            <a:r>
-              <a:rPr/>
-              <a:t> </a:t>
-            </a:r>
-            <a:r>
-              <a:rPr/>
-              <a:t>10</a:t>
-            </a:r>
-            <a:r>
-              <a:rPr/>
-              <a:t> </a:t>
-            </a:r>
-            <a:r>
-              <a:rPr/>
-              <a:t>(Content)</a:t>
+              <a:t>Slide 10 (Content)</a:t>
             </a:r>
           </a:p>
         </p:txBody>

--- a/test/pptx/incremental-lists/without-flag/moved-layouts.pptx
+++ b/test/pptx/incremental-lists/without-flag/moved-layouts.pptx
@@ -5759,19 +5759,11 @@
             </a:pPr>
             <a:r>
               <a:rPr/>
-              <a:t>Slide</a:t>
-            </a:r>
-            <a:r>
-              <a:rPr/>
-              <a:t> </a:t>
-            </a:r>
-            <a:r>
-              <a:rPr/>
-              <a:t>1</a:t>
-            </a:r>
-            <a:r>
-              <a:rPr/>
-              <a:t> </a:t>
+              <a:t>Slide </a:t>
+            </a:r>
+            <a:r>
+              <a:rPr/>
+              <a:t>1 </a:t>
             </a:r>
             <a:r>
               <a:rPr/>
@@ -6151,19 +6143,11 @@
             </a:pPr>
             <a:r>
               <a:rPr/>
-              <a:t>Slide</a:t>
-            </a:r>
-            <a:r>
-              <a:rPr/>
-              <a:t> </a:t>
-            </a:r>
-            <a:r>
-              <a:rPr/>
-              <a:t>11</a:t>
-            </a:r>
-            <a:r>
-              <a:rPr/>
-              <a:t> </a:t>
+              <a:t>Slide </a:t>
+            </a:r>
+            <a:r>
+              <a:rPr/>
+              <a:t>11 </a:t>
             </a:r>
             <a:r>
               <a:rPr/>
@@ -6647,19 +6631,11 @@
             </a:pPr>
             <a:r>
               <a:rPr/>
-              <a:t>Slide</a:t>
-            </a:r>
-            <a:r>
-              <a:rPr/>
-              <a:t> </a:t>
-            </a:r>
-            <a:r>
-              <a:rPr/>
-              <a:t>12</a:t>
-            </a:r>
-            <a:r>
-              <a:rPr/>
-              <a:t> </a:t>
+              <a:t>Slide </a:t>
+            </a:r>
+            <a:r>
+              <a:rPr/>
+              <a:t>12 </a:t>
             </a:r>
             <a:r>
               <a:rPr/>
@@ -6948,19 +6924,11 @@
             </a:pPr>
             <a:r>
               <a:rPr/>
-              <a:t>Slide</a:t>
-            </a:r>
-            <a:r>
-              <a:rPr/>
-              <a:t> </a:t>
-            </a:r>
-            <a:r>
-              <a:rPr/>
-              <a:t>2</a:t>
-            </a:r>
-            <a:r>
-              <a:rPr/>
-              <a:t> </a:t>
+              <a:t>Slide </a:t>
+            </a:r>
+            <a:r>
+              <a:rPr/>
+              <a:t>2 </a:t>
             </a:r>
             <a:r>
               <a:rPr/>
@@ -7048,19 +7016,11 @@
             </a:pPr>
             <a:r>
               <a:rPr/>
-              <a:t>Slide</a:t>
-            </a:r>
-            <a:r>
-              <a:rPr/>
-              <a:t> </a:t>
-            </a:r>
-            <a:r>
-              <a:rPr/>
-              <a:t>3</a:t>
-            </a:r>
-            <a:r>
-              <a:rPr/>
-              <a:t> </a:t>
+              <a:t>Slide </a:t>
+            </a:r>
+            <a:r>
+              <a:rPr/>
+              <a:t>3 </a:t>
             </a:r>
             <a:r>
               <a:rPr/>
@@ -7337,19 +7297,11 @@
             </a:pPr>
             <a:r>
               <a:rPr/>
-              <a:t>Slide</a:t>
-            </a:r>
-            <a:r>
-              <a:rPr/>
-              <a:t> </a:t>
-            </a:r>
-            <a:r>
-              <a:rPr/>
-              <a:t>4</a:t>
-            </a:r>
-            <a:r>
-              <a:rPr/>
-              <a:t> </a:t>
+              <a:t>Slide </a:t>
+            </a:r>
+            <a:r>
+              <a:rPr/>
+              <a:t>4 </a:t>
             </a:r>
             <a:r>
               <a:rPr/>
@@ -7632,27 +7584,15 @@
             </a:pPr>
             <a:r>
               <a:rPr/>
-              <a:t>Slide</a:t>
-            </a:r>
-            <a:r>
-              <a:rPr/>
-              <a:t> </a:t>
-            </a:r>
-            <a:r>
-              <a:rPr/>
-              <a:t>5</a:t>
-            </a:r>
-            <a:r>
-              <a:rPr/>
-              <a:t> </a:t>
-            </a:r>
-            <a:r>
-              <a:rPr/>
-              <a:t>(Two</a:t>
-            </a:r>
-            <a:r>
-              <a:rPr/>
-              <a:t> </a:t>
+              <a:t>Slide </a:t>
+            </a:r>
+            <a:r>
+              <a:rPr/>
+              <a:t>5 </a:t>
+            </a:r>
+            <a:r>
+              <a:rPr/>
+              <a:t>(Two </a:t>
             </a:r>
             <a:r>
               <a:rPr/>
@@ -8153,35 +8093,19 @@
             </a:pPr>
             <a:r>
               <a:rPr/>
-              <a:t>Slide</a:t>
-            </a:r>
-            <a:r>
-              <a:rPr/>
-              <a:t> </a:t>
-            </a:r>
-            <a:r>
-              <a:rPr/>
-              <a:t>6</a:t>
-            </a:r>
-            <a:r>
-              <a:rPr/>
-              <a:t> </a:t>
-            </a:r>
-            <a:r>
-              <a:rPr/>
-              <a:t>(Two</a:t>
-            </a:r>
-            <a:r>
-              <a:rPr/>
-              <a:t> </a:t>
-            </a:r>
-            <a:r>
-              <a:rPr/>
-              <a:t>Content</a:t>
-            </a:r>
-            <a:r>
-              <a:rPr/>
-              <a:t> </a:t>
+              <a:t>Slide </a:t>
+            </a:r>
+            <a:r>
+              <a:rPr/>
+              <a:t>6 </a:t>
+            </a:r>
+            <a:r>
+              <a:rPr/>
+              <a:t>(Two </a:t>
+            </a:r>
+            <a:r>
+              <a:rPr/>
+              <a:t>Content </a:t>
             </a:r>
             <a:r>
               <a:rPr/>
@@ -8245,11 +8169,7 @@
             </a:pPr>
             <a:r>
               <a:rPr/>
-              <a:t>an</a:t>
-            </a:r>
-            <a:r>
-              <a:rPr/>
-              <a:t> </a:t>
+              <a:t>an </a:t>
             </a:r>
             <a:r>
               <a:rPr/>
@@ -8522,35 +8442,19 @@
             </a:pPr>
             <a:r>
               <a:rPr/>
-              <a:t>Slide</a:t>
-            </a:r>
-            <a:r>
-              <a:rPr/>
-              <a:t> </a:t>
-            </a:r>
-            <a:r>
-              <a:rPr/>
-              <a:t>7</a:t>
-            </a:r>
-            <a:r>
-              <a:rPr/>
-              <a:t> </a:t>
-            </a:r>
-            <a:r>
-              <a:rPr/>
-              <a:t>(Content</a:t>
-            </a:r>
-            <a:r>
-              <a:rPr/>
-              <a:t> </a:t>
-            </a:r>
-            <a:r>
-              <a:rPr/>
-              <a:t>with</a:t>
-            </a:r>
-            <a:r>
-              <a:rPr/>
-              <a:t> </a:t>
+              <a:t>Slide </a:t>
+            </a:r>
+            <a:r>
+              <a:rPr/>
+              <a:t>7 </a:t>
+            </a:r>
+            <a:r>
+              <a:rPr/>
+              <a:t>(Content </a:t>
+            </a:r>
+            <a:r>
+              <a:rPr/>
+              <a:t>with </a:t>
             </a:r>
             <a:r>
               <a:rPr/>
@@ -8669,11 +8573,7 @@
             </a:pPr>
             <a:r>
               <a:rPr/>
-              <a:t>An</a:t>
-            </a:r>
-            <a:r>
-              <a:rPr/>
-              <a:t> </a:t>
+              <a:t>An </a:t>
             </a:r>
             <a:r>
               <a:rPr/>
@@ -8909,19 +8809,11 @@
             </a:pPr>
             <a:r>
               <a:rPr/>
-              <a:t>Slide</a:t>
-            </a:r>
-            <a:r>
-              <a:rPr/>
-              <a:t> </a:t>
-            </a:r>
-            <a:r>
-              <a:rPr/>
-              <a:t>8</a:t>
-            </a:r>
-            <a:r>
-              <a:rPr/>
-              <a:t> </a:t>
+              <a:t>Slide </a:t>
+            </a:r>
+            <a:r>
+              <a:rPr/>
+              <a:t>8 </a:t>
             </a:r>
             <a:r>
               <a:rPr/>
@@ -9022,11 +8914,7 @@
             </a:pPr>
             <a:r>
               <a:rPr/>
-              <a:t>An</a:t>
-            </a:r>
-            <a:r>
-              <a:rPr/>
-              <a:t> </a:t>
+              <a:t>An </a:t>
             </a:r>
             <a:r>
               <a:rPr/>
@@ -9510,19 +9398,11 @@
             </a:pPr>
             <a:r>
               <a:rPr/>
-              <a:t>Slide</a:t>
-            </a:r>
-            <a:r>
-              <a:rPr/>
-              <a:t> </a:t>
-            </a:r>
-            <a:r>
-              <a:rPr/>
-              <a:t>10</a:t>
-            </a:r>
-            <a:r>
-              <a:rPr/>
-              <a:t> </a:t>
+              <a:t>Slide </a:t>
+            </a:r>
+            <a:r>
+              <a:rPr/>
+              <a:t>10 </a:t>
             </a:r>
             <a:r>
               <a:rPr/>

--- a/test/pptx/incremental-lists/without-flag/moved-layouts.pptx
+++ b/test/pptx/incremental-lists/without-flag/moved-layouts.pptx
@@ -5759,11 +5759,19 @@
             </a:pPr>
             <a:r>
               <a:rPr/>
-              <a:t>Slide </a:t>
-            </a:r>
-            <a:r>
-              <a:rPr/>
-              <a:t>1 </a:t>
+              <a:t>Slide</a:t>
+            </a:r>
+            <a:r>
+              <a:rPr/>
+              <a:t> </a:t>
+            </a:r>
+            <a:r>
+              <a:rPr/>
+              <a:t>1</a:t>
+            </a:r>
+            <a:r>
+              <a:rPr/>
+              <a:t> </a:t>
             </a:r>
             <a:r>
               <a:rPr/>
@@ -6143,11 +6151,19 @@
             </a:pPr>
             <a:r>
               <a:rPr/>
-              <a:t>Slide </a:t>
-            </a:r>
-            <a:r>
-              <a:rPr/>
-              <a:t>11 </a:t>
+              <a:t>Slide</a:t>
+            </a:r>
+            <a:r>
+              <a:rPr/>
+              <a:t> </a:t>
+            </a:r>
+            <a:r>
+              <a:rPr/>
+              <a:t>11</a:t>
+            </a:r>
+            <a:r>
+              <a:rPr/>
+              <a:t> </a:t>
             </a:r>
             <a:r>
               <a:rPr/>
@@ -6631,11 +6647,19 @@
             </a:pPr>
             <a:r>
               <a:rPr/>
-              <a:t>Slide </a:t>
-            </a:r>
-            <a:r>
-              <a:rPr/>
-              <a:t>12 </a:t>
+              <a:t>Slide</a:t>
+            </a:r>
+            <a:r>
+              <a:rPr/>
+              <a:t> </a:t>
+            </a:r>
+            <a:r>
+              <a:rPr/>
+              <a:t>12</a:t>
+            </a:r>
+            <a:r>
+              <a:rPr/>
+              <a:t> </a:t>
             </a:r>
             <a:r>
               <a:rPr/>
@@ -6924,11 +6948,19 @@
             </a:pPr>
             <a:r>
               <a:rPr/>
-              <a:t>Slide </a:t>
-            </a:r>
-            <a:r>
-              <a:rPr/>
-              <a:t>2 </a:t>
+              <a:t>Slide</a:t>
+            </a:r>
+            <a:r>
+              <a:rPr/>
+              <a:t> </a:t>
+            </a:r>
+            <a:r>
+              <a:rPr/>
+              <a:t>2</a:t>
+            </a:r>
+            <a:r>
+              <a:rPr/>
+              <a:t> </a:t>
             </a:r>
             <a:r>
               <a:rPr/>
@@ -7016,11 +7048,19 @@
             </a:pPr>
             <a:r>
               <a:rPr/>
-              <a:t>Slide </a:t>
-            </a:r>
-            <a:r>
-              <a:rPr/>
-              <a:t>3 </a:t>
+              <a:t>Slide</a:t>
+            </a:r>
+            <a:r>
+              <a:rPr/>
+              <a:t> </a:t>
+            </a:r>
+            <a:r>
+              <a:rPr/>
+              <a:t>3</a:t>
+            </a:r>
+            <a:r>
+              <a:rPr/>
+              <a:t> </a:t>
             </a:r>
             <a:r>
               <a:rPr/>
@@ -7297,11 +7337,19 @@
             </a:pPr>
             <a:r>
               <a:rPr/>
-              <a:t>Slide </a:t>
-            </a:r>
-            <a:r>
-              <a:rPr/>
-              <a:t>4 </a:t>
+              <a:t>Slide</a:t>
+            </a:r>
+            <a:r>
+              <a:rPr/>
+              <a:t> </a:t>
+            </a:r>
+            <a:r>
+              <a:rPr/>
+              <a:t>4</a:t>
+            </a:r>
+            <a:r>
+              <a:rPr/>
+              <a:t> </a:t>
             </a:r>
             <a:r>
               <a:rPr/>
@@ -7584,15 +7632,27 @@
             </a:pPr>
             <a:r>
               <a:rPr/>
-              <a:t>Slide </a:t>
-            </a:r>
-            <a:r>
-              <a:rPr/>
-              <a:t>5 </a:t>
-            </a:r>
-            <a:r>
-              <a:rPr/>
-              <a:t>(Two </a:t>
+              <a:t>Slide</a:t>
+            </a:r>
+            <a:r>
+              <a:rPr/>
+              <a:t> </a:t>
+            </a:r>
+            <a:r>
+              <a:rPr/>
+              <a:t>5</a:t>
+            </a:r>
+            <a:r>
+              <a:rPr/>
+              <a:t> </a:t>
+            </a:r>
+            <a:r>
+              <a:rPr/>
+              <a:t>(Two</a:t>
+            </a:r>
+            <a:r>
+              <a:rPr/>
+              <a:t> </a:t>
             </a:r>
             <a:r>
               <a:rPr/>
@@ -8093,19 +8153,35 @@
             </a:pPr>
             <a:r>
               <a:rPr/>
-              <a:t>Slide </a:t>
-            </a:r>
-            <a:r>
-              <a:rPr/>
-              <a:t>6 </a:t>
-            </a:r>
-            <a:r>
-              <a:rPr/>
-              <a:t>(Two </a:t>
-            </a:r>
-            <a:r>
-              <a:rPr/>
-              <a:t>Content </a:t>
+              <a:t>Slide</a:t>
+            </a:r>
+            <a:r>
+              <a:rPr/>
+              <a:t> </a:t>
+            </a:r>
+            <a:r>
+              <a:rPr/>
+              <a:t>6</a:t>
+            </a:r>
+            <a:r>
+              <a:rPr/>
+              <a:t> </a:t>
+            </a:r>
+            <a:r>
+              <a:rPr/>
+              <a:t>(Two</a:t>
+            </a:r>
+            <a:r>
+              <a:rPr/>
+              <a:t> </a:t>
+            </a:r>
+            <a:r>
+              <a:rPr/>
+              <a:t>Content</a:t>
+            </a:r>
+            <a:r>
+              <a:rPr/>
+              <a:t> </a:t>
             </a:r>
             <a:r>
               <a:rPr/>
@@ -8169,7 +8245,11 @@
             </a:pPr>
             <a:r>
               <a:rPr/>
-              <a:t>an </a:t>
+              <a:t>an</a:t>
+            </a:r>
+            <a:r>
+              <a:rPr/>
+              <a:t> </a:t>
             </a:r>
             <a:r>
               <a:rPr/>
@@ -8442,19 +8522,35 @@
             </a:pPr>
             <a:r>
               <a:rPr/>
-              <a:t>Slide </a:t>
-            </a:r>
-            <a:r>
-              <a:rPr/>
-              <a:t>7 </a:t>
-            </a:r>
-            <a:r>
-              <a:rPr/>
-              <a:t>(Content </a:t>
-            </a:r>
-            <a:r>
-              <a:rPr/>
-              <a:t>with </a:t>
+              <a:t>Slide</a:t>
+            </a:r>
+            <a:r>
+              <a:rPr/>
+              <a:t> </a:t>
+            </a:r>
+            <a:r>
+              <a:rPr/>
+              <a:t>7</a:t>
+            </a:r>
+            <a:r>
+              <a:rPr/>
+              <a:t> </a:t>
+            </a:r>
+            <a:r>
+              <a:rPr/>
+              <a:t>(Content</a:t>
+            </a:r>
+            <a:r>
+              <a:rPr/>
+              <a:t> </a:t>
+            </a:r>
+            <a:r>
+              <a:rPr/>
+              <a:t>with</a:t>
+            </a:r>
+            <a:r>
+              <a:rPr/>
+              <a:t> </a:t>
             </a:r>
             <a:r>
               <a:rPr/>
@@ -8573,7 +8669,11 @@
             </a:pPr>
             <a:r>
               <a:rPr/>
-              <a:t>An </a:t>
+              <a:t>An</a:t>
+            </a:r>
+            <a:r>
+              <a:rPr/>
+              <a:t> </a:t>
             </a:r>
             <a:r>
               <a:rPr/>
@@ -8809,11 +8909,19 @@
             </a:pPr>
             <a:r>
               <a:rPr/>
-              <a:t>Slide </a:t>
-            </a:r>
-            <a:r>
-              <a:rPr/>
-              <a:t>8 </a:t>
+              <a:t>Slide</a:t>
+            </a:r>
+            <a:r>
+              <a:rPr/>
+              <a:t> </a:t>
+            </a:r>
+            <a:r>
+              <a:rPr/>
+              <a:t>8</a:t>
+            </a:r>
+            <a:r>
+              <a:rPr/>
+              <a:t> </a:t>
             </a:r>
             <a:r>
               <a:rPr/>
@@ -8914,7 +9022,11 @@
             </a:pPr>
             <a:r>
               <a:rPr/>
-              <a:t>An </a:t>
+              <a:t>An</a:t>
+            </a:r>
+            <a:r>
+              <a:rPr/>
+              <a:t> </a:t>
             </a:r>
             <a:r>
               <a:rPr/>
@@ -9398,11 +9510,19 @@
             </a:pPr>
             <a:r>
               <a:rPr/>
-              <a:t>Slide </a:t>
-            </a:r>
-            <a:r>
-              <a:rPr/>
-              <a:t>10 </a:t>
+              <a:t>Slide</a:t>
+            </a:r>
+            <a:r>
+              <a:rPr/>
+              <a:t> </a:t>
+            </a:r>
+            <a:r>
+              <a:rPr/>
+              <a:t>10</a:t>
+            </a:r>
+            <a:r>
+              <a:rPr/>
+              <a:t> </a:t>
             </a:r>
             <a:r>
               <a:rPr/>
